--- a/ppt 16-9/0815.倾听主的声音.pptx
+++ b/ppt 16-9/0815.倾听主的声音.pptx
@@ -5,7 +5,7 @@
     <p:sldMasterId id="2147483648" r:id="rId1"/>
   </p:sldMasterIdLst>
   <p:sldIdLst>
-    <p:sldId id="2091" r:id="rId2"/>
+    <p:sldId id="2092" r:id="rId2"/>
   </p:sldIdLst>
   <p:sldSz cx="12192000" cy="6858000"/>
   <p:notesSz cx="6858000" cy="9144000"/>
@@ -129,7 +129,7 @@
           <p:cNvPr id="2" name="标题 1">
             <a:extLst>
               <a:ext uri="{FF2B5EF4-FFF2-40B4-BE49-F238E27FC236}">
-                <a16:creationId xmlns:a16="http://schemas.microsoft.com/office/drawing/2014/main" id="{D1EF43A5-4661-0127-94DA-B11AE85CFA4A}"/>
+                <a16:creationId xmlns:a16="http://schemas.microsoft.com/office/drawing/2014/main" id="{1898BB84-016C-D4E2-0EAB-E084235CF6D5}"/>
               </a:ext>
             </a:extLst>
           </p:cNvPr>
@@ -166,7 +166,7 @@
           <p:cNvPr id="3" name="副标题 2">
             <a:extLst>
               <a:ext uri="{FF2B5EF4-FFF2-40B4-BE49-F238E27FC236}">
-                <a16:creationId xmlns:a16="http://schemas.microsoft.com/office/drawing/2014/main" id="{CDDA373A-28CE-0CE5-44AF-DE484E9FDCB6}"/>
+                <a16:creationId xmlns:a16="http://schemas.microsoft.com/office/drawing/2014/main" id="{47FF4F25-35C2-AE68-5DDF-9FC2CBD408C1}"/>
               </a:ext>
             </a:extLst>
           </p:cNvPr>
@@ -236,7 +236,7 @@
           <p:cNvPr id="4" name="日期占位符 3">
             <a:extLst>
               <a:ext uri="{FF2B5EF4-FFF2-40B4-BE49-F238E27FC236}">
-                <a16:creationId xmlns:a16="http://schemas.microsoft.com/office/drawing/2014/main" id="{EAC81B1F-0DEA-C83E-818E-B8C2EF3B43D4}"/>
+                <a16:creationId xmlns:a16="http://schemas.microsoft.com/office/drawing/2014/main" id="{FEDE86FB-A3C7-3629-E2F8-FB4F4B0DC537}"/>
               </a:ext>
             </a:extLst>
           </p:cNvPr>
@@ -252,7 +252,7 @@
           <a:bodyPr/>
           <a:lstStyle/>
           <a:p>
-            <a:fld id="{F40FF054-5B0B-4FAE-9E89-DEFC2548AC33}" type="datetimeFigureOut">
+            <a:fld id="{D9D564DE-4E91-4450-90DA-6E7F759EE797}" type="datetimeFigureOut">
               <a:rPr lang="zh-CN" altLang="en-US" smtClean="0"/>
               <a:t>2024/3/10</a:t>
             </a:fld>
@@ -265,7 +265,7 @@
           <p:cNvPr id="5" name="页脚占位符 4">
             <a:extLst>
               <a:ext uri="{FF2B5EF4-FFF2-40B4-BE49-F238E27FC236}">
-                <a16:creationId xmlns:a16="http://schemas.microsoft.com/office/drawing/2014/main" id="{90D1169D-22FC-739F-EF8A-993B3221670A}"/>
+                <a16:creationId xmlns:a16="http://schemas.microsoft.com/office/drawing/2014/main" id="{947C2871-3874-7403-10AB-55089BD8D40F}"/>
               </a:ext>
             </a:extLst>
           </p:cNvPr>
@@ -290,7 +290,7 @@
           <p:cNvPr id="6" name="灯片编号占位符 5">
             <a:extLst>
               <a:ext uri="{FF2B5EF4-FFF2-40B4-BE49-F238E27FC236}">
-                <a16:creationId xmlns:a16="http://schemas.microsoft.com/office/drawing/2014/main" id="{F689731E-EDBF-CFFC-1417-CF414F4BE8E4}"/>
+                <a16:creationId xmlns:a16="http://schemas.microsoft.com/office/drawing/2014/main" id="{47D3EA9B-8336-AE68-E055-64F6A2683CD7}"/>
               </a:ext>
             </a:extLst>
           </p:cNvPr>
@@ -306,7 +306,7 @@
           <a:bodyPr/>
           <a:lstStyle/>
           <a:p>
-            <a:fld id="{A9486194-C0CC-4177-9152-141DE5F03585}" type="slidenum">
+            <a:fld id="{E2EA5C9C-C73C-4FDA-88FB-8C07FAE9CFE1}" type="slidenum">
               <a:rPr lang="zh-CN" altLang="en-US" smtClean="0"/>
               <a:t>‹#›</a:t>
             </a:fld>
@@ -317,7 +317,7 @@
     </p:spTree>
     <p:extLst>
       <p:ext uri="{BB962C8B-B14F-4D97-AF65-F5344CB8AC3E}">
-        <p14:creationId xmlns:p14="http://schemas.microsoft.com/office/powerpoint/2010/main" val="825727081"/>
+        <p14:creationId xmlns:p14="http://schemas.microsoft.com/office/powerpoint/2010/main" val="3818787048"/>
       </p:ext>
     </p:extLst>
   </p:cSld>
@@ -349,7 +349,7 @@
           <p:cNvPr id="2" name="标题 1">
             <a:extLst>
               <a:ext uri="{FF2B5EF4-FFF2-40B4-BE49-F238E27FC236}">
-                <a16:creationId xmlns:a16="http://schemas.microsoft.com/office/drawing/2014/main" id="{AC90CA9B-AC77-2201-4E4D-3458EA1EA8C3}"/>
+                <a16:creationId xmlns:a16="http://schemas.microsoft.com/office/drawing/2014/main" id="{E59C6024-932A-6E99-B739-ECD0E96EFB6C}"/>
               </a:ext>
             </a:extLst>
           </p:cNvPr>
@@ -377,7 +377,7 @@
           <p:cNvPr id="3" name="竖排文字占位符 2">
             <a:extLst>
               <a:ext uri="{FF2B5EF4-FFF2-40B4-BE49-F238E27FC236}">
-                <a16:creationId xmlns:a16="http://schemas.microsoft.com/office/drawing/2014/main" id="{FD47BC91-B82C-32EF-7C87-39E6B0964A2C}"/>
+                <a16:creationId xmlns:a16="http://schemas.microsoft.com/office/drawing/2014/main" id="{045AADBF-DB71-8FF1-6B8B-8DA831FC3783}"/>
               </a:ext>
             </a:extLst>
           </p:cNvPr>
@@ -434,7 +434,7 @@
           <p:cNvPr id="4" name="日期占位符 3">
             <a:extLst>
               <a:ext uri="{FF2B5EF4-FFF2-40B4-BE49-F238E27FC236}">
-                <a16:creationId xmlns:a16="http://schemas.microsoft.com/office/drawing/2014/main" id="{D6B0095B-E326-8544-CAC4-79560919D0C5}"/>
+                <a16:creationId xmlns:a16="http://schemas.microsoft.com/office/drawing/2014/main" id="{FBF9C5AD-B216-23A1-BA44-D6812CF8C679}"/>
               </a:ext>
             </a:extLst>
           </p:cNvPr>
@@ -450,7 +450,7 @@
           <a:bodyPr/>
           <a:lstStyle/>
           <a:p>
-            <a:fld id="{F40FF054-5B0B-4FAE-9E89-DEFC2548AC33}" type="datetimeFigureOut">
+            <a:fld id="{D9D564DE-4E91-4450-90DA-6E7F759EE797}" type="datetimeFigureOut">
               <a:rPr lang="zh-CN" altLang="en-US" smtClean="0"/>
               <a:t>2024/3/10</a:t>
             </a:fld>
@@ -463,7 +463,7 @@
           <p:cNvPr id="5" name="页脚占位符 4">
             <a:extLst>
               <a:ext uri="{FF2B5EF4-FFF2-40B4-BE49-F238E27FC236}">
-                <a16:creationId xmlns:a16="http://schemas.microsoft.com/office/drawing/2014/main" id="{55B27804-D831-AA06-8FE0-AEC5101FDD64}"/>
+                <a16:creationId xmlns:a16="http://schemas.microsoft.com/office/drawing/2014/main" id="{06B7D892-F966-9837-683B-2A216D10DEE3}"/>
               </a:ext>
             </a:extLst>
           </p:cNvPr>
@@ -488,7 +488,7 @@
           <p:cNvPr id="6" name="灯片编号占位符 5">
             <a:extLst>
               <a:ext uri="{FF2B5EF4-FFF2-40B4-BE49-F238E27FC236}">
-                <a16:creationId xmlns:a16="http://schemas.microsoft.com/office/drawing/2014/main" id="{B87A4CAC-22A5-1059-BB37-140765BBB207}"/>
+                <a16:creationId xmlns:a16="http://schemas.microsoft.com/office/drawing/2014/main" id="{548B6EE6-B10F-D717-26C7-34598B007C1A}"/>
               </a:ext>
             </a:extLst>
           </p:cNvPr>
@@ -504,7 +504,7 @@
           <a:bodyPr/>
           <a:lstStyle/>
           <a:p>
-            <a:fld id="{A9486194-C0CC-4177-9152-141DE5F03585}" type="slidenum">
+            <a:fld id="{E2EA5C9C-C73C-4FDA-88FB-8C07FAE9CFE1}" type="slidenum">
               <a:rPr lang="zh-CN" altLang="en-US" smtClean="0"/>
               <a:t>‹#›</a:t>
             </a:fld>
@@ -515,7 +515,7 @@
     </p:spTree>
     <p:extLst>
       <p:ext uri="{BB962C8B-B14F-4D97-AF65-F5344CB8AC3E}">
-        <p14:creationId xmlns:p14="http://schemas.microsoft.com/office/powerpoint/2010/main" val="2677264156"/>
+        <p14:creationId xmlns:p14="http://schemas.microsoft.com/office/powerpoint/2010/main" val="1582568873"/>
       </p:ext>
     </p:extLst>
   </p:cSld>
@@ -547,7 +547,7 @@
           <p:cNvPr id="2" name="竖排标题 1">
             <a:extLst>
               <a:ext uri="{FF2B5EF4-FFF2-40B4-BE49-F238E27FC236}">
-                <a16:creationId xmlns:a16="http://schemas.microsoft.com/office/drawing/2014/main" id="{1D259092-AA65-19C7-4CA0-25C8F812C027}"/>
+                <a16:creationId xmlns:a16="http://schemas.microsoft.com/office/drawing/2014/main" id="{CE2D2F4E-2780-07DF-7151-84920760EE84}"/>
               </a:ext>
             </a:extLst>
           </p:cNvPr>
@@ -580,7 +580,7 @@
           <p:cNvPr id="3" name="竖排文字占位符 2">
             <a:extLst>
               <a:ext uri="{FF2B5EF4-FFF2-40B4-BE49-F238E27FC236}">
-                <a16:creationId xmlns:a16="http://schemas.microsoft.com/office/drawing/2014/main" id="{410E61D5-C2AF-A838-ED7B-9BB33A403A62}"/>
+                <a16:creationId xmlns:a16="http://schemas.microsoft.com/office/drawing/2014/main" id="{EC5393F3-1A5D-730E-FB04-9594950775AB}"/>
               </a:ext>
             </a:extLst>
           </p:cNvPr>
@@ -642,7 +642,7 @@
           <p:cNvPr id="4" name="日期占位符 3">
             <a:extLst>
               <a:ext uri="{FF2B5EF4-FFF2-40B4-BE49-F238E27FC236}">
-                <a16:creationId xmlns:a16="http://schemas.microsoft.com/office/drawing/2014/main" id="{BABF16AB-B69C-A9B4-7705-FF3C31654E6A}"/>
+                <a16:creationId xmlns:a16="http://schemas.microsoft.com/office/drawing/2014/main" id="{C7CAFFE5-2078-0381-51D0-1678FC76AAAF}"/>
               </a:ext>
             </a:extLst>
           </p:cNvPr>
@@ -658,7 +658,7 @@
           <a:bodyPr/>
           <a:lstStyle/>
           <a:p>
-            <a:fld id="{F40FF054-5B0B-4FAE-9E89-DEFC2548AC33}" type="datetimeFigureOut">
+            <a:fld id="{D9D564DE-4E91-4450-90DA-6E7F759EE797}" type="datetimeFigureOut">
               <a:rPr lang="zh-CN" altLang="en-US" smtClean="0"/>
               <a:t>2024/3/10</a:t>
             </a:fld>
@@ -671,7 +671,7 @@
           <p:cNvPr id="5" name="页脚占位符 4">
             <a:extLst>
               <a:ext uri="{FF2B5EF4-FFF2-40B4-BE49-F238E27FC236}">
-                <a16:creationId xmlns:a16="http://schemas.microsoft.com/office/drawing/2014/main" id="{8C4AA72C-35F2-5950-9B99-B4BE94D65F67}"/>
+                <a16:creationId xmlns:a16="http://schemas.microsoft.com/office/drawing/2014/main" id="{46160BEC-B475-4E62-7AC1-F4EB48B5DE43}"/>
               </a:ext>
             </a:extLst>
           </p:cNvPr>
@@ -696,7 +696,7 @@
           <p:cNvPr id="6" name="灯片编号占位符 5">
             <a:extLst>
               <a:ext uri="{FF2B5EF4-FFF2-40B4-BE49-F238E27FC236}">
-                <a16:creationId xmlns:a16="http://schemas.microsoft.com/office/drawing/2014/main" id="{6CEA821A-6B8B-8156-9ED5-D9CF798AD039}"/>
+                <a16:creationId xmlns:a16="http://schemas.microsoft.com/office/drawing/2014/main" id="{812FEB93-28B2-01E8-FB93-55C9E20587AF}"/>
               </a:ext>
             </a:extLst>
           </p:cNvPr>
@@ -712,7 +712,7 @@
           <a:bodyPr/>
           <a:lstStyle/>
           <a:p>
-            <a:fld id="{A9486194-C0CC-4177-9152-141DE5F03585}" type="slidenum">
+            <a:fld id="{E2EA5C9C-C73C-4FDA-88FB-8C07FAE9CFE1}" type="slidenum">
               <a:rPr lang="zh-CN" altLang="en-US" smtClean="0"/>
               <a:t>‹#›</a:t>
             </a:fld>
@@ -723,7 +723,7 @@
     </p:spTree>
     <p:extLst>
       <p:ext uri="{BB962C8B-B14F-4D97-AF65-F5344CB8AC3E}">
-        <p14:creationId xmlns:p14="http://schemas.microsoft.com/office/powerpoint/2010/main" val="2416593213"/>
+        <p14:creationId xmlns:p14="http://schemas.microsoft.com/office/powerpoint/2010/main" val="2667377869"/>
       </p:ext>
     </p:extLst>
   </p:cSld>
@@ -755,7 +755,7 @@
           <p:cNvPr id="2" name="标题 1">
             <a:extLst>
               <a:ext uri="{FF2B5EF4-FFF2-40B4-BE49-F238E27FC236}">
-                <a16:creationId xmlns:a16="http://schemas.microsoft.com/office/drawing/2014/main" id="{6D0223A2-0D09-0208-7AFC-37A899A67696}"/>
+                <a16:creationId xmlns:a16="http://schemas.microsoft.com/office/drawing/2014/main" id="{8F8BEB70-2FCE-D684-7DDA-A462EC5D9618}"/>
               </a:ext>
             </a:extLst>
           </p:cNvPr>
@@ -783,7 +783,7 @@
           <p:cNvPr id="3" name="内容占位符 2">
             <a:extLst>
               <a:ext uri="{FF2B5EF4-FFF2-40B4-BE49-F238E27FC236}">
-                <a16:creationId xmlns:a16="http://schemas.microsoft.com/office/drawing/2014/main" id="{B6AF5C9F-C5DF-8DB8-2D12-FF50D3086DAC}"/>
+                <a16:creationId xmlns:a16="http://schemas.microsoft.com/office/drawing/2014/main" id="{EB199C94-20D2-139D-A238-A2595A6F1E5B}"/>
               </a:ext>
             </a:extLst>
           </p:cNvPr>
@@ -840,7 +840,7 @@
           <p:cNvPr id="4" name="日期占位符 3">
             <a:extLst>
               <a:ext uri="{FF2B5EF4-FFF2-40B4-BE49-F238E27FC236}">
-                <a16:creationId xmlns:a16="http://schemas.microsoft.com/office/drawing/2014/main" id="{49337B7F-D4A9-2E3C-C8B5-80536871B3CC}"/>
+                <a16:creationId xmlns:a16="http://schemas.microsoft.com/office/drawing/2014/main" id="{D9C164F3-17F1-BCEF-C88D-5F0E6B792035}"/>
               </a:ext>
             </a:extLst>
           </p:cNvPr>
@@ -856,7 +856,7 @@
           <a:bodyPr/>
           <a:lstStyle/>
           <a:p>
-            <a:fld id="{F40FF054-5B0B-4FAE-9E89-DEFC2548AC33}" type="datetimeFigureOut">
+            <a:fld id="{D9D564DE-4E91-4450-90DA-6E7F759EE797}" type="datetimeFigureOut">
               <a:rPr lang="zh-CN" altLang="en-US" smtClean="0"/>
               <a:t>2024/3/10</a:t>
             </a:fld>
@@ -869,7 +869,7 @@
           <p:cNvPr id="5" name="页脚占位符 4">
             <a:extLst>
               <a:ext uri="{FF2B5EF4-FFF2-40B4-BE49-F238E27FC236}">
-                <a16:creationId xmlns:a16="http://schemas.microsoft.com/office/drawing/2014/main" id="{E9F33E9A-1153-0BC7-BC12-FD1A0583EEA7}"/>
+                <a16:creationId xmlns:a16="http://schemas.microsoft.com/office/drawing/2014/main" id="{9B1DB482-9506-0E83-3269-3D2181531092}"/>
               </a:ext>
             </a:extLst>
           </p:cNvPr>
@@ -894,7 +894,7 @@
           <p:cNvPr id="6" name="灯片编号占位符 5">
             <a:extLst>
               <a:ext uri="{FF2B5EF4-FFF2-40B4-BE49-F238E27FC236}">
-                <a16:creationId xmlns:a16="http://schemas.microsoft.com/office/drawing/2014/main" id="{7FCB5C27-B101-47E1-CB09-EA9180F8DAAE}"/>
+                <a16:creationId xmlns:a16="http://schemas.microsoft.com/office/drawing/2014/main" id="{518D49EF-D301-8BE2-9E06-5ADF6C1FDE2B}"/>
               </a:ext>
             </a:extLst>
           </p:cNvPr>
@@ -910,7 +910,7 @@
           <a:bodyPr/>
           <a:lstStyle/>
           <a:p>
-            <a:fld id="{A9486194-C0CC-4177-9152-141DE5F03585}" type="slidenum">
+            <a:fld id="{E2EA5C9C-C73C-4FDA-88FB-8C07FAE9CFE1}" type="slidenum">
               <a:rPr lang="zh-CN" altLang="en-US" smtClean="0"/>
               <a:t>‹#›</a:t>
             </a:fld>
@@ -921,7 +921,7 @@
     </p:spTree>
     <p:extLst>
       <p:ext uri="{BB962C8B-B14F-4D97-AF65-F5344CB8AC3E}">
-        <p14:creationId xmlns:p14="http://schemas.microsoft.com/office/powerpoint/2010/main" val="4024360402"/>
+        <p14:creationId xmlns:p14="http://schemas.microsoft.com/office/powerpoint/2010/main" val="3290898287"/>
       </p:ext>
     </p:extLst>
   </p:cSld>
@@ -953,7 +953,7 @@
           <p:cNvPr id="2" name="标题 1">
             <a:extLst>
               <a:ext uri="{FF2B5EF4-FFF2-40B4-BE49-F238E27FC236}">
-                <a16:creationId xmlns:a16="http://schemas.microsoft.com/office/drawing/2014/main" id="{3930D0D6-9780-A84E-FB2A-CCCD7DE5CCAF}"/>
+                <a16:creationId xmlns:a16="http://schemas.microsoft.com/office/drawing/2014/main" id="{E2F4330C-8E06-ADE6-1EC3-9521185D189F}"/>
               </a:ext>
             </a:extLst>
           </p:cNvPr>
@@ -990,7 +990,7 @@
           <p:cNvPr id="3" name="文本占位符 2">
             <a:extLst>
               <a:ext uri="{FF2B5EF4-FFF2-40B4-BE49-F238E27FC236}">
-                <a16:creationId xmlns:a16="http://schemas.microsoft.com/office/drawing/2014/main" id="{D2F5FE89-7840-6526-DBBC-AC1CD4790BC5}"/>
+                <a16:creationId xmlns:a16="http://schemas.microsoft.com/office/drawing/2014/main" id="{8378BBAE-0737-7F3A-E40D-870D81C3581B}"/>
               </a:ext>
             </a:extLst>
           </p:cNvPr>
@@ -1115,7 +1115,7 @@
           <p:cNvPr id="4" name="日期占位符 3">
             <a:extLst>
               <a:ext uri="{FF2B5EF4-FFF2-40B4-BE49-F238E27FC236}">
-                <a16:creationId xmlns:a16="http://schemas.microsoft.com/office/drawing/2014/main" id="{04D4E54A-DE9C-EFA9-B38B-1F2EC9506E47}"/>
+                <a16:creationId xmlns:a16="http://schemas.microsoft.com/office/drawing/2014/main" id="{BC55EDA5-A953-D22E-F076-A51C6C0337C8}"/>
               </a:ext>
             </a:extLst>
           </p:cNvPr>
@@ -1131,7 +1131,7 @@
           <a:bodyPr/>
           <a:lstStyle/>
           <a:p>
-            <a:fld id="{F40FF054-5B0B-4FAE-9E89-DEFC2548AC33}" type="datetimeFigureOut">
+            <a:fld id="{D9D564DE-4E91-4450-90DA-6E7F759EE797}" type="datetimeFigureOut">
               <a:rPr lang="zh-CN" altLang="en-US" smtClean="0"/>
               <a:t>2024/3/10</a:t>
             </a:fld>
@@ -1144,7 +1144,7 @@
           <p:cNvPr id="5" name="页脚占位符 4">
             <a:extLst>
               <a:ext uri="{FF2B5EF4-FFF2-40B4-BE49-F238E27FC236}">
-                <a16:creationId xmlns:a16="http://schemas.microsoft.com/office/drawing/2014/main" id="{1AC82138-2A97-A60D-6240-AD9C1BAF1C3D}"/>
+                <a16:creationId xmlns:a16="http://schemas.microsoft.com/office/drawing/2014/main" id="{53997E12-2083-A3D1-621B-3888450CA472}"/>
               </a:ext>
             </a:extLst>
           </p:cNvPr>
@@ -1169,7 +1169,7 @@
           <p:cNvPr id="6" name="灯片编号占位符 5">
             <a:extLst>
               <a:ext uri="{FF2B5EF4-FFF2-40B4-BE49-F238E27FC236}">
-                <a16:creationId xmlns:a16="http://schemas.microsoft.com/office/drawing/2014/main" id="{7E31DE8B-5659-61EE-97C6-D9BAD2507915}"/>
+                <a16:creationId xmlns:a16="http://schemas.microsoft.com/office/drawing/2014/main" id="{B0B6596D-3335-7DA9-3AFB-B703715F1DDB}"/>
               </a:ext>
             </a:extLst>
           </p:cNvPr>
@@ -1185,7 +1185,7 @@
           <a:bodyPr/>
           <a:lstStyle/>
           <a:p>
-            <a:fld id="{A9486194-C0CC-4177-9152-141DE5F03585}" type="slidenum">
+            <a:fld id="{E2EA5C9C-C73C-4FDA-88FB-8C07FAE9CFE1}" type="slidenum">
               <a:rPr lang="zh-CN" altLang="en-US" smtClean="0"/>
               <a:t>‹#›</a:t>
             </a:fld>
@@ -1196,7 +1196,7 @@
     </p:spTree>
     <p:extLst>
       <p:ext uri="{BB962C8B-B14F-4D97-AF65-F5344CB8AC3E}">
-        <p14:creationId xmlns:p14="http://schemas.microsoft.com/office/powerpoint/2010/main" val="785231024"/>
+        <p14:creationId xmlns:p14="http://schemas.microsoft.com/office/powerpoint/2010/main" val="3700550498"/>
       </p:ext>
     </p:extLst>
   </p:cSld>
@@ -1228,7 +1228,7 @@
           <p:cNvPr id="2" name="标题 1">
             <a:extLst>
               <a:ext uri="{FF2B5EF4-FFF2-40B4-BE49-F238E27FC236}">
-                <a16:creationId xmlns:a16="http://schemas.microsoft.com/office/drawing/2014/main" id="{9E029F32-E1EB-6A37-C064-E3E2E3F030FC}"/>
+                <a16:creationId xmlns:a16="http://schemas.microsoft.com/office/drawing/2014/main" id="{A81CA4EF-55F1-EC2B-78E7-B9AA064BA027}"/>
               </a:ext>
             </a:extLst>
           </p:cNvPr>
@@ -1256,7 +1256,7 @@
           <p:cNvPr id="3" name="内容占位符 2">
             <a:extLst>
               <a:ext uri="{FF2B5EF4-FFF2-40B4-BE49-F238E27FC236}">
-                <a16:creationId xmlns:a16="http://schemas.microsoft.com/office/drawing/2014/main" id="{A4BD9B0B-5B76-7E00-BE48-FEA7D22B5C2C}"/>
+                <a16:creationId xmlns:a16="http://schemas.microsoft.com/office/drawing/2014/main" id="{D101C182-891B-52A3-AD1F-89F5D7274BF5}"/>
               </a:ext>
             </a:extLst>
           </p:cNvPr>
@@ -1318,7 +1318,7 @@
           <p:cNvPr id="4" name="内容占位符 3">
             <a:extLst>
               <a:ext uri="{FF2B5EF4-FFF2-40B4-BE49-F238E27FC236}">
-                <a16:creationId xmlns:a16="http://schemas.microsoft.com/office/drawing/2014/main" id="{EE96AB60-9016-7D00-C9DF-8B0CD6DADDE6}"/>
+                <a16:creationId xmlns:a16="http://schemas.microsoft.com/office/drawing/2014/main" id="{9B331DED-097C-ABE1-41E0-498096CF82CE}"/>
               </a:ext>
             </a:extLst>
           </p:cNvPr>
@@ -1380,7 +1380,7 @@
           <p:cNvPr id="5" name="日期占位符 4">
             <a:extLst>
               <a:ext uri="{FF2B5EF4-FFF2-40B4-BE49-F238E27FC236}">
-                <a16:creationId xmlns:a16="http://schemas.microsoft.com/office/drawing/2014/main" id="{B9F23522-D878-4962-2478-36D271F68967}"/>
+                <a16:creationId xmlns:a16="http://schemas.microsoft.com/office/drawing/2014/main" id="{5A26A005-3430-D9D8-9D83-60B0C8B57EF7}"/>
               </a:ext>
             </a:extLst>
           </p:cNvPr>
@@ -1396,7 +1396,7 @@
           <a:bodyPr/>
           <a:lstStyle/>
           <a:p>
-            <a:fld id="{F40FF054-5B0B-4FAE-9E89-DEFC2548AC33}" type="datetimeFigureOut">
+            <a:fld id="{D9D564DE-4E91-4450-90DA-6E7F759EE797}" type="datetimeFigureOut">
               <a:rPr lang="zh-CN" altLang="en-US" smtClean="0"/>
               <a:t>2024/3/10</a:t>
             </a:fld>
@@ -1409,7 +1409,7 @@
           <p:cNvPr id="6" name="页脚占位符 5">
             <a:extLst>
               <a:ext uri="{FF2B5EF4-FFF2-40B4-BE49-F238E27FC236}">
-                <a16:creationId xmlns:a16="http://schemas.microsoft.com/office/drawing/2014/main" id="{6FA2ED08-FA23-B913-B0C4-057BF8CE655B}"/>
+                <a16:creationId xmlns:a16="http://schemas.microsoft.com/office/drawing/2014/main" id="{ABD3C36A-51F7-E1B6-3BA1-421518321793}"/>
               </a:ext>
             </a:extLst>
           </p:cNvPr>
@@ -1434,7 +1434,7 @@
           <p:cNvPr id="7" name="灯片编号占位符 6">
             <a:extLst>
               <a:ext uri="{FF2B5EF4-FFF2-40B4-BE49-F238E27FC236}">
-                <a16:creationId xmlns:a16="http://schemas.microsoft.com/office/drawing/2014/main" id="{E6CC4421-18BB-2341-74B0-62DDAFDCC853}"/>
+                <a16:creationId xmlns:a16="http://schemas.microsoft.com/office/drawing/2014/main" id="{0E3F6FDF-1AE9-88C9-2EF9-8324EB6907BC}"/>
               </a:ext>
             </a:extLst>
           </p:cNvPr>
@@ -1450,7 +1450,7 @@
           <a:bodyPr/>
           <a:lstStyle/>
           <a:p>
-            <a:fld id="{A9486194-C0CC-4177-9152-141DE5F03585}" type="slidenum">
+            <a:fld id="{E2EA5C9C-C73C-4FDA-88FB-8C07FAE9CFE1}" type="slidenum">
               <a:rPr lang="zh-CN" altLang="en-US" smtClean="0"/>
               <a:t>‹#›</a:t>
             </a:fld>
@@ -1461,7 +1461,7 @@
     </p:spTree>
     <p:extLst>
       <p:ext uri="{BB962C8B-B14F-4D97-AF65-F5344CB8AC3E}">
-        <p14:creationId xmlns:p14="http://schemas.microsoft.com/office/powerpoint/2010/main" val="2548476818"/>
+        <p14:creationId xmlns:p14="http://schemas.microsoft.com/office/powerpoint/2010/main" val="3058028700"/>
       </p:ext>
     </p:extLst>
   </p:cSld>
@@ -1493,7 +1493,7 @@
           <p:cNvPr id="2" name="标题 1">
             <a:extLst>
               <a:ext uri="{FF2B5EF4-FFF2-40B4-BE49-F238E27FC236}">
-                <a16:creationId xmlns:a16="http://schemas.microsoft.com/office/drawing/2014/main" id="{83238220-3008-2E66-A53C-4062A441BE2E}"/>
+                <a16:creationId xmlns:a16="http://schemas.microsoft.com/office/drawing/2014/main" id="{30B48F55-31C5-87DC-6065-4F5B3B0C6F34}"/>
               </a:ext>
             </a:extLst>
           </p:cNvPr>
@@ -1526,7 +1526,7 @@
           <p:cNvPr id="3" name="文本占位符 2">
             <a:extLst>
               <a:ext uri="{FF2B5EF4-FFF2-40B4-BE49-F238E27FC236}">
-                <a16:creationId xmlns:a16="http://schemas.microsoft.com/office/drawing/2014/main" id="{AEF31594-FE3A-8ED8-22FC-BAF697179FBB}"/>
+                <a16:creationId xmlns:a16="http://schemas.microsoft.com/office/drawing/2014/main" id="{FA42E18A-AE92-24A7-B60A-1965288D80B0}"/>
               </a:ext>
             </a:extLst>
           </p:cNvPr>
@@ -1597,7 +1597,7 @@
           <p:cNvPr id="4" name="内容占位符 3">
             <a:extLst>
               <a:ext uri="{FF2B5EF4-FFF2-40B4-BE49-F238E27FC236}">
-                <a16:creationId xmlns:a16="http://schemas.microsoft.com/office/drawing/2014/main" id="{8B1731CA-17A9-8548-78A6-7B581E397413}"/>
+                <a16:creationId xmlns:a16="http://schemas.microsoft.com/office/drawing/2014/main" id="{71728065-F38B-F888-D5D0-E87F8F36E089}"/>
               </a:ext>
             </a:extLst>
           </p:cNvPr>
@@ -1659,7 +1659,7 @@
           <p:cNvPr id="5" name="文本占位符 4">
             <a:extLst>
               <a:ext uri="{FF2B5EF4-FFF2-40B4-BE49-F238E27FC236}">
-                <a16:creationId xmlns:a16="http://schemas.microsoft.com/office/drawing/2014/main" id="{9EC00074-F878-98ED-7A3C-A3A3C141891A}"/>
+                <a16:creationId xmlns:a16="http://schemas.microsoft.com/office/drawing/2014/main" id="{A472AE82-F8FC-F29D-0CF2-7BBDD91619F7}"/>
               </a:ext>
             </a:extLst>
           </p:cNvPr>
@@ -1730,7 +1730,7 @@
           <p:cNvPr id="6" name="内容占位符 5">
             <a:extLst>
               <a:ext uri="{FF2B5EF4-FFF2-40B4-BE49-F238E27FC236}">
-                <a16:creationId xmlns:a16="http://schemas.microsoft.com/office/drawing/2014/main" id="{E0B84454-530D-D9B4-D1C0-9F0D872CEEA8}"/>
+                <a16:creationId xmlns:a16="http://schemas.microsoft.com/office/drawing/2014/main" id="{998EAAD2-FAB7-6A37-B4FD-E91066E5F363}"/>
               </a:ext>
             </a:extLst>
           </p:cNvPr>
@@ -1792,7 +1792,7 @@
           <p:cNvPr id="7" name="日期占位符 6">
             <a:extLst>
               <a:ext uri="{FF2B5EF4-FFF2-40B4-BE49-F238E27FC236}">
-                <a16:creationId xmlns:a16="http://schemas.microsoft.com/office/drawing/2014/main" id="{9FD75A54-3B2B-7C7A-1A62-FAF77D08CF6D}"/>
+                <a16:creationId xmlns:a16="http://schemas.microsoft.com/office/drawing/2014/main" id="{ED2FFE52-F714-00A3-5B87-2458D3569B1F}"/>
               </a:ext>
             </a:extLst>
           </p:cNvPr>
@@ -1808,7 +1808,7 @@
           <a:bodyPr/>
           <a:lstStyle/>
           <a:p>
-            <a:fld id="{F40FF054-5B0B-4FAE-9E89-DEFC2548AC33}" type="datetimeFigureOut">
+            <a:fld id="{D9D564DE-4E91-4450-90DA-6E7F759EE797}" type="datetimeFigureOut">
               <a:rPr lang="zh-CN" altLang="en-US" smtClean="0"/>
               <a:t>2024/3/10</a:t>
             </a:fld>
@@ -1821,7 +1821,7 @@
           <p:cNvPr id="8" name="页脚占位符 7">
             <a:extLst>
               <a:ext uri="{FF2B5EF4-FFF2-40B4-BE49-F238E27FC236}">
-                <a16:creationId xmlns:a16="http://schemas.microsoft.com/office/drawing/2014/main" id="{C72EFB1F-43B5-75ED-920A-B47666089933}"/>
+                <a16:creationId xmlns:a16="http://schemas.microsoft.com/office/drawing/2014/main" id="{BB8264D6-6C01-3B70-7416-537BAA2B4308}"/>
               </a:ext>
             </a:extLst>
           </p:cNvPr>
@@ -1846,7 +1846,7 @@
           <p:cNvPr id="9" name="灯片编号占位符 8">
             <a:extLst>
               <a:ext uri="{FF2B5EF4-FFF2-40B4-BE49-F238E27FC236}">
-                <a16:creationId xmlns:a16="http://schemas.microsoft.com/office/drawing/2014/main" id="{9F3129EA-8C5C-7F42-DFA5-2921FC784A62}"/>
+                <a16:creationId xmlns:a16="http://schemas.microsoft.com/office/drawing/2014/main" id="{9995BF25-0688-89D9-CCA2-5F1256644863}"/>
               </a:ext>
             </a:extLst>
           </p:cNvPr>
@@ -1862,7 +1862,7 @@
           <a:bodyPr/>
           <a:lstStyle/>
           <a:p>
-            <a:fld id="{A9486194-C0CC-4177-9152-141DE5F03585}" type="slidenum">
+            <a:fld id="{E2EA5C9C-C73C-4FDA-88FB-8C07FAE9CFE1}" type="slidenum">
               <a:rPr lang="zh-CN" altLang="en-US" smtClean="0"/>
               <a:t>‹#›</a:t>
             </a:fld>
@@ -1873,7 +1873,7 @@
     </p:spTree>
     <p:extLst>
       <p:ext uri="{BB962C8B-B14F-4D97-AF65-F5344CB8AC3E}">
-        <p14:creationId xmlns:p14="http://schemas.microsoft.com/office/powerpoint/2010/main" val="3930516052"/>
+        <p14:creationId xmlns:p14="http://schemas.microsoft.com/office/powerpoint/2010/main" val="3324936110"/>
       </p:ext>
     </p:extLst>
   </p:cSld>
@@ -1905,7 +1905,7 @@
           <p:cNvPr id="2" name="标题 1">
             <a:extLst>
               <a:ext uri="{FF2B5EF4-FFF2-40B4-BE49-F238E27FC236}">
-                <a16:creationId xmlns:a16="http://schemas.microsoft.com/office/drawing/2014/main" id="{49F0E08F-8B6B-23BC-1AA5-DD688B3408C2}"/>
+                <a16:creationId xmlns:a16="http://schemas.microsoft.com/office/drawing/2014/main" id="{591492FD-1663-FC2A-FE1C-6C2D8C12DED1}"/>
               </a:ext>
             </a:extLst>
           </p:cNvPr>
@@ -1933,7 +1933,7 @@
           <p:cNvPr id="3" name="日期占位符 2">
             <a:extLst>
               <a:ext uri="{FF2B5EF4-FFF2-40B4-BE49-F238E27FC236}">
-                <a16:creationId xmlns:a16="http://schemas.microsoft.com/office/drawing/2014/main" id="{8706B87F-FC70-4397-C7F1-7187895E7DBD}"/>
+                <a16:creationId xmlns:a16="http://schemas.microsoft.com/office/drawing/2014/main" id="{AB1B9890-3C61-292B-A361-4C559EAF0EDA}"/>
               </a:ext>
             </a:extLst>
           </p:cNvPr>
@@ -1949,7 +1949,7 @@
           <a:bodyPr/>
           <a:lstStyle/>
           <a:p>
-            <a:fld id="{F40FF054-5B0B-4FAE-9E89-DEFC2548AC33}" type="datetimeFigureOut">
+            <a:fld id="{D9D564DE-4E91-4450-90DA-6E7F759EE797}" type="datetimeFigureOut">
               <a:rPr lang="zh-CN" altLang="en-US" smtClean="0"/>
               <a:t>2024/3/10</a:t>
             </a:fld>
@@ -1962,7 +1962,7 @@
           <p:cNvPr id="4" name="页脚占位符 3">
             <a:extLst>
               <a:ext uri="{FF2B5EF4-FFF2-40B4-BE49-F238E27FC236}">
-                <a16:creationId xmlns:a16="http://schemas.microsoft.com/office/drawing/2014/main" id="{6321A714-793A-7C47-42F1-7D8B929F0C99}"/>
+                <a16:creationId xmlns:a16="http://schemas.microsoft.com/office/drawing/2014/main" id="{00CCEF1C-AF68-169F-CCC1-A3D6FE706211}"/>
               </a:ext>
             </a:extLst>
           </p:cNvPr>
@@ -1987,7 +1987,7 @@
           <p:cNvPr id="5" name="灯片编号占位符 4">
             <a:extLst>
               <a:ext uri="{FF2B5EF4-FFF2-40B4-BE49-F238E27FC236}">
-                <a16:creationId xmlns:a16="http://schemas.microsoft.com/office/drawing/2014/main" id="{F8227016-6D43-5E7D-A91F-8C1B4DBC26EA}"/>
+                <a16:creationId xmlns:a16="http://schemas.microsoft.com/office/drawing/2014/main" id="{F47924D6-CA14-E56B-DF36-6F9A8A60F990}"/>
               </a:ext>
             </a:extLst>
           </p:cNvPr>
@@ -2003,7 +2003,7 @@
           <a:bodyPr/>
           <a:lstStyle/>
           <a:p>
-            <a:fld id="{A9486194-C0CC-4177-9152-141DE5F03585}" type="slidenum">
+            <a:fld id="{E2EA5C9C-C73C-4FDA-88FB-8C07FAE9CFE1}" type="slidenum">
               <a:rPr lang="zh-CN" altLang="en-US" smtClean="0"/>
               <a:t>‹#›</a:t>
             </a:fld>
@@ -2014,7 +2014,7 @@
     </p:spTree>
     <p:extLst>
       <p:ext uri="{BB962C8B-B14F-4D97-AF65-F5344CB8AC3E}">
-        <p14:creationId xmlns:p14="http://schemas.microsoft.com/office/powerpoint/2010/main" val="52311764"/>
+        <p14:creationId xmlns:p14="http://schemas.microsoft.com/office/powerpoint/2010/main" val="1223732215"/>
       </p:ext>
     </p:extLst>
   </p:cSld>
@@ -2046,7 +2046,7 @@
           <p:cNvPr id="2" name="日期占位符 1">
             <a:extLst>
               <a:ext uri="{FF2B5EF4-FFF2-40B4-BE49-F238E27FC236}">
-                <a16:creationId xmlns:a16="http://schemas.microsoft.com/office/drawing/2014/main" id="{8449FF5E-A0E9-1797-A787-5F0C8EE2BE17}"/>
+                <a16:creationId xmlns:a16="http://schemas.microsoft.com/office/drawing/2014/main" id="{39B4E673-3E8C-4836-B668-9AEACAC7814F}"/>
               </a:ext>
             </a:extLst>
           </p:cNvPr>
@@ -2062,7 +2062,7 @@
           <a:bodyPr/>
           <a:lstStyle/>
           <a:p>
-            <a:fld id="{F40FF054-5B0B-4FAE-9E89-DEFC2548AC33}" type="datetimeFigureOut">
+            <a:fld id="{D9D564DE-4E91-4450-90DA-6E7F759EE797}" type="datetimeFigureOut">
               <a:rPr lang="zh-CN" altLang="en-US" smtClean="0"/>
               <a:t>2024/3/10</a:t>
             </a:fld>
@@ -2075,7 +2075,7 @@
           <p:cNvPr id="3" name="页脚占位符 2">
             <a:extLst>
               <a:ext uri="{FF2B5EF4-FFF2-40B4-BE49-F238E27FC236}">
-                <a16:creationId xmlns:a16="http://schemas.microsoft.com/office/drawing/2014/main" id="{F5E7398F-5E04-06EB-DD81-DA2B6F2197B6}"/>
+                <a16:creationId xmlns:a16="http://schemas.microsoft.com/office/drawing/2014/main" id="{7B430786-D9FF-02C9-992B-3194E84DBEB3}"/>
               </a:ext>
             </a:extLst>
           </p:cNvPr>
@@ -2100,7 +2100,7 @@
           <p:cNvPr id="4" name="灯片编号占位符 3">
             <a:extLst>
               <a:ext uri="{FF2B5EF4-FFF2-40B4-BE49-F238E27FC236}">
-                <a16:creationId xmlns:a16="http://schemas.microsoft.com/office/drawing/2014/main" id="{E88A350B-B8C7-1B1A-422A-6EF50438EA95}"/>
+                <a16:creationId xmlns:a16="http://schemas.microsoft.com/office/drawing/2014/main" id="{FA767C1F-E016-E26E-B6C2-CA63DDE8FEBB}"/>
               </a:ext>
             </a:extLst>
           </p:cNvPr>
@@ -2116,7 +2116,7 @@
           <a:bodyPr/>
           <a:lstStyle/>
           <a:p>
-            <a:fld id="{A9486194-C0CC-4177-9152-141DE5F03585}" type="slidenum">
+            <a:fld id="{E2EA5C9C-C73C-4FDA-88FB-8C07FAE9CFE1}" type="slidenum">
               <a:rPr lang="zh-CN" altLang="en-US" smtClean="0"/>
               <a:t>‹#›</a:t>
             </a:fld>
@@ -2127,7 +2127,7 @@
     </p:spTree>
     <p:extLst>
       <p:ext uri="{BB962C8B-B14F-4D97-AF65-F5344CB8AC3E}">
-        <p14:creationId xmlns:p14="http://schemas.microsoft.com/office/powerpoint/2010/main" val="3473209178"/>
+        <p14:creationId xmlns:p14="http://schemas.microsoft.com/office/powerpoint/2010/main" val="521708282"/>
       </p:ext>
     </p:extLst>
   </p:cSld>
@@ -2159,7 +2159,7 @@
           <p:cNvPr id="2" name="标题 1">
             <a:extLst>
               <a:ext uri="{FF2B5EF4-FFF2-40B4-BE49-F238E27FC236}">
-                <a16:creationId xmlns:a16="http://schemas.microsoft.com/office/drawing/2014/main" id="{2FC99640-17E2-00AB-97A8-FD593EB679EA}"/>
+                <a16:creationId xmlns:a16="http://schemas.microsoft.com/office/drawing/2014/main" id="{618890C0-38B8-05AB-E202-F0ABBB79F9DD}"/>
               </a:ext>
             </a:extLst>
           </p:cNvPr>
@@ -2196,7 +2196,7 @@
           <p:cNvPr id="3" name="内容占位符 2">
             <a:extLst>
               <a:ext uri="{FF2B5EF4-FFF2-40B4-BE49-F238E27FC236}">
-                <a16:creationId xmlns:a16="http://schemas.microsoft.com/office/drawing/2014/main" id="{4717683F-A852-1A78-180C-AF9B8522A2DB}"/>
+                <a16:creationId xmlns:a16="http://schemas.microsoft.com/office/drawing/2014/main" id="{20054A1C-0000-74A4-D057-E50BB99AB37F}"/>
               </a:ext>
             </a:extLst>
           </p:cNvPr>
@@ -2286,7 +2286,7 @@
           <p:cNvPr id="4" name="文本占位符 3">
             <a:extLst>
               <a:ext uri="{FF2B5EF4-FFF2-40B4-BE49-F238E27FC236}">
-                <a16:creationId xmlns:a16="http://schemas.microsoft.com/office/drawing/2014/main" id="{B705971C-A61C-7DFE-6542-19E73219F31D}"/>
+                <a16:creationId xmlns:a16="http://schemas.microsoft.com/office/drawing/2014/main" id="{5696144B-D4B9-2A60-D7D7-94C6F3BB14EC}"/>
               </a:ext>
             </a:extLst>
           </p:cNvPr>
@@ -2357,7 +2357,7 @@
           <p:cNvPr id="5" name="日期占位符 4">
             <a:extLst>
               <a:ext uri="{FF2B5EF4-FFF2-40B4-BE49-F238E27FC236}">
-                <a16:creationId xmlns:a16="http://schemas.microsoft.com/office/drawing/2014/main" id="{04CD7FBA-4247-E22F-5E26-B456363803D5}"/>
+                <a16:creationId xmlns:a16="http://schemas.microsoft.com/office/drawing/2014/main" id="{C78EAE9D-1178-DBA5-FC26-E5FEB9DA36A6}"/>
               </a:ext>
             </a:extLst>
           </p:cNvPr>
@@ -2373,7 +2373,7 @@
           <a:bodyPr/>
           <a:lstStyle/>
           <a:p>
-            <a:fld id="{F40FF054-5B0B-4FAE-9E89-DEFC2548AC33}" type="datetimeFigureOut">
+            <a:fld id="{D9D564DE-4E91-4450-90DA-6E7F759EE797}" type="datetimeFigureOut">
               <a:rPr lang="zh-CN" altLang="en-US" smtClean="0"/>
               <a:t>2024/3/10</a:t>
             </a:fld>
@@ -2386,7 +2386,7 @@
           <p:cNvPr id="6" name="页脚占位符 5">
             <a:extLst>
               <a:ext uri="{FF2B5EF4-FFF2-40B4-BE49-F238E27FC236}">
-                <a16:creationId xmlns:a16="http://schemas.microsoft.com/office/drawing/2014/main" id="{694AAE41-6628-0412-06AB-582BB1A0DBBB}"/>
+                <a16:creationId xmlns:a16="http://schemas.microsoft.com/office/drawing/2014/main" id="{CCC94D71-654D-10F0-E26F-9D81CB34B88E}"/>
               </a:ext>
             </a:extLst>
           </p:cNvPr>
@@ -2411,7 +2411,7 @@
           <p:cNvPr id="7" name="灯片编号占位符 6">
             <a:extLst>
               <a:ext uri="{FF2B5EF4-FFF2-40B4-BE49-F238E27FC236}">
-                <a16:creationId xmlns:a16="http://schemas.microsoft.com/office/drawing/2014/main" id="{035104E2-3FCD-E521-D71E-6B461180AEF6}"/>
+                <a16:creationId xmlns:a16="http://schemas.microsoft.com/office/drawing/2014/main" id="{33F7DD08-43C4-B73E-4F89-43269A6248AB}"/>
               </a:ext>
             </a:extLst>
           </p:cNvPr>
@@ -2427,7 +2427,7 @@
           <a:bodyPr/>
           <a:lstStyle/>
           <a:p>
-            <a:fld id="{A9486194-C0CC-4177-9152-141DE5F03585}" type="slidenum">
+            <a:fld id="{E2EA5C9C-C73C-4FDA-88FB-8C07FAE9CFE1}" type="slidenum">
               <a:rPr lang="zh-CN" altLang="en-US" smtClean="0"/>
               <a:t>‹#›</a:t>
             </a:fld>
@@ -2438,7 +2438,7 @@
     </p:spTree>
     <p:extLst>
       <p:ext uri="{BB962C8B-B14F-4D97-AF65-F5344CB8AC3E}">
-        <p14:creationId xmlns:p14="http://schemas.microsoft.com/office/powerpoint/2010/main" val="2587487192"/>
+        <p14:creationId xmlns:p14="http://schemas.microsoft.com/office/powerpoint/2010/main" val="400886061"/>
       </p:ext>
     </p:extLst>
   </p:cSld>
@@ -2470,7 +2470,7 @@
           <p:cNvPr id="2" name="标题 1">
             <a:extLst>
               <a:ext uri="{FF2B5EF4-FFF2-40B4-BE49-F238E27FC236}">
-                <a16:creationId xmlns:a16="http://schemas.microsoft.com/office/drawing/2014/main" id="{AC324DD9-AF8C-06C1-0E86-27AFE54ADB6D}"/>
+                <a16:creationId xmlns:a16="http://schemas.microsoft.com/office/drawing/2014/main" id="{8CBD1B88-281D-923B-E628-ABD4730DB85D}"/>
               </a:ext>
             </a:extLst>
           </p:cNvPr>
@@ -2507,7 +2507,7 @@
           <p:cNvPr id="3" name="图片占位符 2">
             <a:extLst>
               <a:ext uri="{FF2B5EF4-FFF2-40B4-BE49-F238E27FC236}">
-                <a16:creationId xmlns:a16="http://schemas.microsoft.com/office/drawing/2014/main" id="{6C02FBD3-7696-DC9E-3750-B49191EFF40A}"/>
+                <a16:creationId xmlns:a16="http://schemas.microsoft.com/office/drawing/2014/main" id="{8D9C0D71-27BD-E4EC-12C3-B437AD04888D}"/>
               </a:ext>
             </a:extLst>
           </p:cNvPr>
@@ -2574,7 +2574,7 @@
           <p:cNvPr id="4" name="文本占位符 3">
             <a:extLst>
               <a:ext uri="{FF2B5EF4-FFF2-40B4-BE49-F238E27FC236}">
-                <a16:creationId xmlns:a16="http://schemas.microsoft.com/office/drawing/2014/main" id="{C3E4D0E5-A63C-1AF1-9A9F-397B27EA0B43}"/>
+                <a16:creationId xmlns:a16="http://schemas.microsoft.com/office/drawing/2014/main" id="{AFEBFA87-2997-3301-6489-6E4B91DB1603}"/>
               </a:ext>
             </a:extLst>
           </p:cNvPr>
@@ -2645,7 +2645,7 @@
           <p:cNvPr id="5" name="日期占位符 4">
             <a:extLst>
               <a:ext uri="{FF2B5EF4-FFF2-40B4-BE49-F238E27FC236}">
-                <a16:creationId xmlns:a16="http://schemas.microsoft.com/office/drawing/2014/main" id="{A0EA4B9A-13EC-60F1-4B6D-72725160D13C}"/>
+                <a16:creationId xmlns:a16="http://schemas.microsoft.com/office/drawing/2014/main" id="{156181A7-222A-9475-2B9B-70D1F251F34B}"/>
               </a:ext>
             </a:extLst>
           </p:cNvPr>
@@ -2661,7 +2661,7 @@
           <a:bodyPr/>
           <a:lstStyle/>
           <a:p>
-            <a:fld id="{F40FF054-5B0B-4FAE-9E89-DEFC2548AC33}" type="datetimeFigureOut">
+            <a:fld id="{D9D564DE-4E91-4450-90DA-6E7F759EE797}" type="datetimeFigureOut">
               <a:rPr lang="zh-CN" altLang="en-US" smtClean="0"/>
               <a:t>2024/3/10</a:t>
             </a:fld>
@@ -2674,7 +2674,7 @@
           <p:cNvPr id="6" name="页脚占位符 5">
             <a:extLst>
               <a:ext uri="{FF2B5EF4-FFF2-40B4-BE49-F238E27FC236}">
-                <a16:creationId xmlns:a16="http://schemas.microsoft.com/office/drawing/2014/main" id="{F43A821F-1BAA-6B3E-614E-B780F0609C8F}"/>
+                <a16:creationId xmlns:a16="http://schemas.microsoft.com/office/drawing/2014/main" id="{0F7D6C02-3CE0-7A61-4B48-7681C5D1858D}"/>
               </a:ext>
             </a:extLst>
           </p:cNvPr>
@@ -2699,7 +2699,7 @@
           <p:cNvPr id="7" name="灯片编号占位符 6">
             <a:extLst>
               <a:ext uri="{FF2B5EF4-FFF2-40B4-BE49-F238E27FC236}">
-                <a16:creationId xmlns:a16="http://schemas.microsoft.com/office/drawing/2014/main" id="{74E70AE5-0043-CD42-752F-640708536329}"/>
+                <a16:creationId xmlns:a16="http://schemas.microsoft.com/office/drawing/2014/main" id="{2FC94067-60D5-A0C8-8BEB-E6FA7E243A16}"/>
               </a:ext>
             </a:extLst>
           </p:cNvPr>
@@ -2715,7 +2715,7 @@
           <a:bodyPr/>
           <a:lstStyle/>
           <a:p>
-            <a:fld id="{A9486194-C0CC-4177-9152-141DE5F03585}" type="slidenum">
+            <a:fld id="{E2EA5C9C-C73C-4FDA-88FB-8C07FAE9CFE1}" type="slidenum">
               <a:rPr lang="zh-CN" altLang="en-US" smtClean="0"/>
               <a:t>‹#›</a:t>
             </a:fld>
@@ -2726,7 +2726,7 @@
     </p:spTree>
     <p:extLst>
       <p:ext uri="{BB962C8B-B14F-4D97-AF65-F5344CB8AC3E}">
-        <p14:creationId xmlns:p14="http://schemas.microsoft.com/office/powerpoint/2010/main" val="1557486441"/>
+        <p14:creationId xmlns:p14="http://schemas.microsoft.com/office/powerpoint/2010/main" val="14256550"/>
       </p:ext>
     </p:extLst>
   </p:cSld>
@@ -2763,7 +2763,7 @@
           <p:cNvPr id="2" name="标题占位符 1">
             <a:extLst>
               <a:ext uri="{FF2B5EF4-FFF2-40B4-BE49-F238E27FC236}">
-                <a16:creationId xmlns:a16="http://schemas.microsoft.com/office/drawing/2014/main" id="{373696A4-9DE0-CEC7-F1DF-FC7D74DC31B4}"/>
+                <a16:creationId xmlns:a16="http://schemas.microsoft.com/office/drawing/2014/main" id="{446ED443-E295-9C2D-BDA6-3C2AD448D83C}"/>
               </a:ext>
             </a:extLst>
           </p:cNvPr>
@@ -2801,7 +2801,7 @@
           <p:cNvPr id="3" name="文本占位符 2">
             <a:extLst>
               <a:ext uri="{FF2B5EF4-FFF2-40B4-BE49-F238E27FC236}">
-                <a16:creationId xmlns:a16="http://schemas.microsoft.com/office/drawing/2014/main" id="{667CAE23-3FD1-F1D4-5A42-0DA638ADBFA7}"/>
+                <a16:creationId xmlns:a16="http://schemas.microsoft.com/office/drawing/2014/main" id="{E0FDBA78-F250-0D8C-9AFE-DA6AA0E3E279}"/>
               </a:ext>
             </a:extLst>
           </p:cNvPr>
@@ -2868,7 +2868,7 @@
           <p:cNvPr id="4" name="日期占位符 3">
             <a:extLst>
               <a:ext uri="{FF2B5EF4-FFF2-40B4-BE49-F238E27FC236}">
-                <a16:creationId xmlns:a16="http://schemas.microsoft.com/office/drawing/2014/main" id="{127DBA1D-123E-BC99-47A0-C5DDE89A3A18}"/>
+                <a16:creationId xmlns:a16="http://schemas.microsoft.com/office/drawing/2014/main" id="{103FAC1C-C4B3-C759-111B-46DDBD9C4E98}"/>
               </a:ext>
             </a:extLst>
           </p:cNvPr>
@@ -2902,7 +2902,7 @@
             </a:lvl1pPr>
           </a:lstStyle>
           <a:p>
-            <a:fld id="{F40FF054-5B0B-4FAE-9E89-DEFC2548AC33}" type="datetimeFigureOut">
+            <a:fld id="{D9D564DE-4E91-4450-90DA-6E7F759EE797}" type="datetimeFigureOut">
               <a:rPr lang="zh-CN" altLang="en-US" smtClean="0"/>
               <a:t>2024/3/10</a:t>
             </a:fld>
@@ -2915,7 +2915,7 @@
           <p:cNvPr id="5" name="页脚占位符 4">
             <a:extLst>
               <a:ext uri="{FF2B5EF4-FFF2-40B4-BE49-F238E27FC236}">
-                <a16:creationId xmlns:a16="http://schemas.microsoft.com/office/drawing/2014/main" id="{A1B2562F-571B-F541-A8AF-9EBEC512126D}"/>
+                <a16:creationId xmlns:a16="http://schemas.microsoft.com/office/drawing/2014/main" id="{A62AEC63-34FC-2F07-FD30-AB58618F154A}"/>
               </a:ext>
             </a:extLst>
           </p:cNvPr>
@@ -2958,7 +2958,7 @@
           <p:cNvPr id="6" name="灯片编号占位符 5">
             <a:extLst>
               <a:ext uri="{FF2B5EF4-FFF2-40B4-BE49-F238E27FC236}">
-                <a16:creationId xmlns:a16="http://schemas.microsoft.com/office/drawing/2014/main" id="{F428DAC5-55A3-2068-A7F8-EC6AC1F85899}"/>
+                <a16:creationId xmlns:a16="http://schemas.microsoft.com/office/drawing/2014/main" id="{0806B1D1-0ADD-A0C6-49A9-AE44C97FD80B}"/>
               </a:ext>
             </a:extLst>
           </p:cNvPr>
@@ -2992,7 +2992,7 @@
             </a:lvl1pPr>
           </a:lstStyle>
           <a:p>
-            <a:fld id="{A9486194-C0CC-4177-9152-141DE5F03585}" type="slidenum">
+            <a:fld id="{E2EA5C9C-C73C-4FDA-88FB-8C07FAE9CFE1}" type="slidenum">
               <a:rPr lang="zh-CN" altLang="en-US" smtClean="0"/>
               <a:t>‹#›</a:t>
             </a:fld>
@@ -3003,7 +3003,7 @@
     </p:spTree>
     <p:extLst>
       <p:ext uri="{BB962C8B-B14F-4D97-AF65-F5344CB8AC3E}">
-        <p14:creationId xmlns:p14="http://schemas.microsoft.com/office/powerpoint/2010/main" val="2662408077"/>
+        <p14:creationId xmlns:p14="http://schemas.microsoft.com/office/powerpoint/2010/main" val="946894276"/>
       </p:ext>
     </p:extLst>
   </p:cSld>
@@ -3323,7 +3323,7 @@
       </p:grpSpPr>
       <p:pic>
         <p:nvPicPr>
-          <p:cNvPr id="834562" name="Picture 2" descr="814"/>
+          <p:cNvPr id="835586" name="Picture 2" descr="815"/>
           <p:cNvPicPr>
             <a:picLocks noChangeAspect="1" noChangeArrowheads="1"/>
           </p:cNvPicPr>
